--- a/pres.pptx
+++ b/pres.pptx
@@ -9,8 +9,10 @@
     <p:sldId id="257" r:id="rId3"/>
     <p:sldId id="261" r:id="rId4"/>
     <p:sldId id="260" r:id="rId5"/>
-    <p:sldId id="259" r:id="rId6"/>
-    <p:sldId id="258" r:id="rId7"/>
+    <p:sldId id="262" r:id="rId6"/>
+    <p:sldId id="263" r:id="rId7"/>
+    <p:sldId id="259" r:id="rId8"/>
+    <p:sldId id="258" r:id="rId9"/>
   </p:sldIdLst>
   <p:sldSz cx="12192000" cy="6858000"/>
   <p:notesSz cx="6858000" cy="9144000"/>
@@ -109,7 +111,282 @@
       </a:defRPr>
     </a:lvl9pPr>
   </p:defaultTextStyle>
+  <p:extLst>
+    <p:ext uri="{EFAFB233-063F-42B5-8137-9DF3F51BA10A}">
+      <p15:sldGuideLst xmlns:p15="http://schemas.microsoft.com/office/powerpoint/2012/main"/>
+    </p:ext>
+  </p:extLst>
 </p:presentation>
+</file>
+
+<file path=ppt/ink/ink1.xml><?xml version="1.0" encoding="utf-8"?>
+<inkml:ink xmlns:inkml="http://www.w3.org/2003/InkML">
+  <inkml:definitions>
+    <inkml:context xml:id="ctx0">
+      <inkml:inkSource xml:id="inkSrc0">
+        <inkml:traceFormat>
+          <inkml:channel name="X" type="integer" min="-2.14748E9" max="2.14748E9" units="cm"/>
+          <inkml:channel name="Y" type="integer" min="-2.14748E9" max="2.14748E9" units="cm"/>
+          <inkml:channel name="F" type="integer" max="32767" units="dev"/>
+        </inkml:traceFormat>
+        <inkml:channelProperties>
+          <inkml:channelProperty channel="X" name="resolution" value="1000" units="1/cm"/>
+          <inkml:channelProperty channel="Y" name="resolution" value="1000" units="1/cm"/>
+          <inkml:channelProperty channel="F" name="resolution" value="0" units="1/dev"/>
+        </inkml:channelProperties>
+      </inkml:inkSource>
+      <inkml:timestamp xml:id="ts0" timeString="2022-01-24T15:19:27.794"/>
+    </inkml:context>
+    <inkml:brush xml:id="br0">
+      <inkml:brushProperty name="width" value="0.025" units="cm"/>
+      <inkml:brushProperty name="height" value="0.025" units="cm"/>
+    </inkml:brush>
+  </inkml:definitions>
+  <inkml:trace contextRef="#ctx0" brushRef="#br0">1 3 24575,'158'-2'0,"170"5"0,-319-2 0,1 1 0,-2 1 0,1-1 0,0 2 0,-1-1 0,1 1 0,-1 1 0,0-1 0,0 1 0,-1 1 0,10 7 0,8 9 0,39 44 0,-47-43 0,0 1 0,-2 0 0,-1 1 0,19 46 0,13 21 0,9-13 0,-41-62 0,-1 1 0,0 1 0,11 23 0,-5 4 0,22 73 0,-24-50 0,-10-40 0,16 48 0,-7-33 0,-2 1 0,16 92 0,-1-27 0,-20-83 0,-1 1 0,-2 1 0,4 34 0,3 41 0,3-1 0,6 0 0,3-2 0,61 153 0,-49-139 0,-27-77 0,2 0 0,1-1 0,23 42 0,-4-19 0,-2 1 0,-2 2 0,-4 1 0,-2 1 0,21 108 0,71 352 0,-105-493 0,1 0 0,1-1 0,1 0 0,2-1 0,1 0 0,27 37 0,-2-6 0,-30-43 0,1-2 0,1 0 0,0 0 0,20 19 0,58 53-1365,-75-77-5461</inkml:trace>
+</inkml:ink>
+</file>
+
+<file path=ppt/ink/ink10.xml><?xml version="1.0" encoding="utf-8"?>
+<inkml:ink xmlns:inkml="http://www.w3.org/2003/InkML">
+  <inkml:definitions>
+    <inkml:context xml:id="ctx0">
+      <inkml:inkSource xml:id="inkSrc0">
+        <inkml:traceFormat>
+          <inkml:channel name="X" type="integer" min="-2.14748E9" max="2.14748E9" units="cm"/>
+          <inkml:channel name="Y" type="integer" min="-2.14748E9" max="2.14748E9" units="cm"/>
+          <inkml:channel name="F" type="integer" max="32767" units="dev"/>
+        </inkml:traceFormat>
+        <inkml:channelProperties>
+          <inkml:channelProperty channel="X" name="resolution" value="1000" units="1/cm"/>
+          <inkml:channelProperty channel="Y" name="resolution" value="1000" units="1/cm"/>
+          <inkml:channelProperty channel="F" name="resolution" value="0" units="1/dev"/>
+        </inkml:channelProperties>
+      </inkml:inkSource>
+      <inkml:timestamp xml:id="ts0" timeString="2022-01-24T15:19:51.412"/>
+    </inkml:context>
+    <inkml:brush xml:id="br0">
+      <inkml:brushProperty name="width" value="0.025" units="cm"/>
+      <inkml:brushProperty name="height" value="0.025" units="cm"/>
+    </inkml:brush>
+  </inkml:definitions>
+  <inkml:trace contextRef="#ctx0" brushRef="#br0">0 0 24575,'0'0'-8191</inkml:trace>
+</inkml:ink>
+</file>
+
+<file path=ppt/ink/ink2.xml><?xml version="1.0" encoding="utf-8"?>
+<inkml:ink xmlns:inkml="http://www.w3.org/2003/InkML">
+  <inkml:definitions>
+    <inkml:context xml:id="ctx0">
+      <inkml:inkSource xml:id="inkSrc0">
+        <inkml:traceFormat>
+          <inkml:channel name="X" type="integer" min="-2.14748E9" max="2.14748E9" units="cm"/>
+          <inkml:channel name="Y" type="integer" min="-2.14748E9" max="2.14748E9" units="cm"/>
+          <inkml:channel name="F" type="integer" max="32767" units="dev"/>
+        </inkml:traceFormat>
+        <inkml:channelProperties>
+          <inkml:channelProperty channel="X" name="resolution" value="1000" units="1/cm"/>
+          <inkml:channelProperty channel="Y" name="resolution" value="1000" units="1/cm"/>
+          <inkml:channelProperty channel="F" name="resolution" value="0" units="1/dev"/>
+        </inkml:channelProperties>
+      </inkml:inkSource>
+      <inkml:timestamp xml:id="ts0" timeString="2022-01-24T15:19:22.056"/>
+    </inkml:context>
+    <inkml:brush xml:id="br0">
+      <inkml:brushProperty name="width" value="0.025" units="cm"/>
+      <inkml:brushProperty name="height" value="0.025" units="cm"/>
+    </inkml:brush>
+  </inkml:definitions>
+  <inkml:trace contextRef="#ctx0" brushRef="#br0">1 0 24575,'0'0'-8191</inkml:trace>
+</inkml:ink>
+</file>
+
+<file path=ppt/ink/ink3.xml><?xml version="1.0" encoding="utf-8"?>
+<inkml:ink xmlns:inkml="http://www.w3.org/2003/InkML">
+  <inkml:definitions>
+    <inkml:context xml:id="ctx0">
+      <inkml:inkSource xml:id="inkSrc0">
+        <inkml:traceFormat>
+          <inkml:channel name="X" type="integer" min="-2.14748E9" max="2.14748E9" units="cm"/>
+          <inkml:channel name="Y" type="integer" min="-2.14748E9" max="2.14748E9" units="cm"/>
+          <inkml:channel name="F" type="integer" max="32767" units="dev"/>
+        </inkml:traceFormat>
+        <inkml:channelProperties>
+          <inkml:channelProperty channel="X" name="resolution" value="1000" units="1/cm"/>
+          <inkml:channelProperty channel="Y" name="resolution" value="1000" units="1/cm"/>
+          <inkml:channelProperty channel="F" name="resolution" value="0" units="1/dev"/>
+        </inkml:channelProperties>
+      </inkml:inkSource>
+      <inkml:timestamp xml:id="ts0" timeString="2022-01-24T15:19:22.834"/>
+    </inkml:context>
+    <inkml:brush xml:id="br0">
+      <inkml:brushProperty name="width" value="0.025" units="cm"/>
+      <inkml:brushProperty name="height" value="0.025" units="cm"/>
+    </inkml:brush>
+  </inkml:definitions>
+  <inkml:trace contextRef="#ctx0" brushRef="#br0">1 1 24575,'2'0'0,"5"0"0,3 0 0,0 0-8191</inkml:trace>
+</inkml:ink>
+</file>
+
+<file path=ppt/ink/ink4.xml><?xml version="1.0" encoding="utf-8"?>
+<inkml:ink xmlns:inkml="http://www.w3.org/2003/InkML">
+  <inkml:definitions>
+    <inkml:context xml:id="ctx0">
+      <inkml:inkSource xml:id="inkSrc0">
+        <inkml:traceFormat>
+          <inkml:channel name="X" type="integer" min="-2.14748E9" max="2.14748E9" units="cm"/>
+          <inkml:channel name="Y" type="integer" min="-2.14748E9" max="2.14748E9" units="cm"/>
+          <inkml:channel name="F" type="integer" max="32767" units="dev"/>
+        </inkml:traceFormat>
+        <inkml:channelProperties>
+          <inkml:channelProperty channel="X" name="resolution" value="1000" units="1/cm"/>
+          <inkml:channelProperty channel="Y" name="resolution" value="1000" units="1/cm"/>
+          <inkml:channelProperty channel="F" name="resolution" value="0" units="1/dev"/>
+        </inkml:channelProperties>
+      </inkml:inkSource>
+      <inkml:timestamp xml:id="ts0" timeString="2022-01-24T15:19:32.428"/>
+    </inkml:context>
+    <inkml:brush xml:id="br0">
+      <inkml:brushProperty name="width" value="0.025" units="cm"/>
+      <inkml:brushProperty name="height" value="0.025" units="cm"/>
+    </inkml:brush>
+  </inkml:definitions>
+  <inkml:trace contextRef="#ctx0" brushRef="#br0">0 0 24575,'62'16'0,"246"-16"0,-237-7 0,48-2 0,-51 9-1365,-54 0-5461</inkml:trace>
+</inkml:ink>
+</file>
+
+<file path=ppt/ink/ink5.xml><?xml version="1.0" encoding="utf-8"?>
+<inkml:ink xmlns:inkml="http://www.w3.org/2003/InkML">
+  <inkml:definitions>
+    <inkml:context xml:id="ctx0">
+      <inkml:inkSource xml:id="inkSrc0">
+        <inkml:traceFormat>
+          <inkml:channel name="X" type="integer" min="-2.14748E9" max="2.14748E9" units="cm"/>
+          <inkml:channel name="Y" type="integer" min="-2.14748E9" max="2.14748E9" units="cm"/>
+          <inkml:channel name="F" type="integer" max="32767" units="dev"/>
+        </inkml:traceFormat>
+        <inkml:channelProperties>
+          <inkml:channelProperty channel="X" name="resolution" value="1000" units="1/cm"/>
+          <inkml:channelProperty channel="Y" name="resolution" value="1000" units="1/cm"/>
+          <inkml:channelProperty channel="F" name="resolution" value="0" units="1/dev"/>
+        </inkml:channelProperties>
+      </inkml:inkSource>
+      <inkml:timestamp xml:id="ts0" timeString="2022-01-24T15:19:47.401"/>
+    </inkml:context>
+    <inkml:brush xml:id="br0">
+      <inkml:brushProperty name="width" value="0.025" units="cm"/>
+      <inkml:brushProperty name="height" value="0.025" units="cm"/>
+    </inkml:brush>
+  </inkml:definitions>
+  <inkml:trace contextRef="#ctx0" brushRef="#br0">0 1 24575,'0'0'-8191</inkml:trace>
+</inkml:ink>
+</file>
+
+<file path=ppt/ink/ink6.xml><?xml version="1.0" encoding="utf-8"?>
+<inkml:ink xmlns:inkml="http://www.w3.org/2003/InkML">
+  <inkml:definitions>
+    <inkml:context xml:id="ctx0">
+      <inkml:inkSource xml:id="inkSrc0">
+        <inkml:traceFormat>
+          <inkml:channel name="X" type="integer" min="-2.14748E9" max="2.14748E9" units="cm"/>
+          <inkml:channel name="Y" type="integer" min="-2.14748E9" max="2.14748E9" units="cm"/>
+          <inkml:channel name="F" type="integer" max="32767" units="dev"/>
+        </inkml:traceFormat>
+        <inkml:channelProperties>
+          <inkml:channelProperty channel="X" name="resolution" value="1000" units="1/cm"/>
+          <inkml:channelProperty channel="Y" name="resolution" value="1000" units="1/cm"/>
+          <inkml:channelProperty channel="F" name="resolution" value="0" units="1/dev"/>
+        </inkml:channelProperties>
+      </inkml:inkSource>
+      <inkml:timestamp xml:id="ts0" timeString="2022-01-24T15:19:48.010"/>
+    </inkml:context>
+    <inkml:brush xml:id="br0">
+      <inkml:brushProperty name="width" value="0.025" units="cm"/>
+      <inkml:brushProperty name="height" value="0.025" units="cm"/>
+    </inkml:brush>
+  </inkml:definitions>
+  <inkml:trace contextRef="#ctx0" brushRef="#br0">0 1 24575</inkml:trace>
+</inkml:ink>
+</file>
+
+<file path=ppt/ink/ink7.xml><?xml version="1.0" encoding="utf-8"?>
+<inkml:ink xmlns:inkml="http://www.w3.org/2003/InkML">
+  <inkml:definitions>
+    <inkml:context xml:id="ctx0">
+      <inkml:inkSource xml:id="inkSrc0">
+        <inkml:traceFormat>
+          <inkml:channel name="X" type="integer" min="-2.14748E9" max="2.14748E9" units="cm"/>
+          <inkml:channel name="Y" type="integer" min="-2.14748E9" max="2.14748E9" units="cm"/>
+          <inkml:channel name="F" type="integer" max="32767" units="dev"/>
+        </inkml:traceFormat>
+        <inkml:channelProperties>
+          <inkml:channelProperty channel="X" name="resolution" value="1000" units="1/cm"/>
+          <inkml:channelProperty channel="Y" name="resolution" value="1000" units="1/cm"/>
+          <inkml:channelProperty channel="F" name="resolution" value="0" units="1/dev"/>
+        </inkml:channelProperties>
+      </inkml:inkSource>
+      <inkml:timestamp xml:id="ts0" timeString="2022-01-24T15:19:48.356"/>
+    </inkml:context>
+    <inkml:brush xml:id="br0">
+      <inkml:brushProperty name="width" value="0.025" units="cm"/>
+      <inkml:brushProperty name="height" value="0.025" units="cm"/>
+    </inkml:brush>
+  </inkml:definitions>
+  <inkml:trace contextRef="#ctx0" brushRef="#br0">0 1 24575</inkml:trace>
+</inkml:ink>
+</file>
+
+<file path=ppt/ink/ink8.xml><?xml version="1.0" encoding="utf-8"?>
+<inkml:ink xmlns:inkml="http://www.w3.org/2003/InkML">
+  <inkml:definitions>
+    <inkml:context xml:id="ctx0">
+      <inkml:inkSource xml:id="inkSrc0">
+        <inkml:traceFormat>
+          <inkml:channel name="X" type="integer" min="-2.14748E9" max="2.14748E9" units="cm"/>
+          <inkml:channel name="Y" type="integer" min="-2.14748E9" max="2.14748E9" units="cm"/>
+          <inkml:channel name="F" type="integer" max="32767" units="dev"/>
+        </inkml:traceFormat>
+        <inkml:channelProperties>
+          <inkml:channelProperty channel="X" name="resolution" value="1000" units="1/cm"/>
+          <inkml:channelProperty channel="Y" name="resolution" value="1000" units="1/cm"/>
+          <inkml:channelProperty channel="F" name="resolution" value="0" units="1/dev"/>
+        </inkml:channelProperties>
+      </inkml:inkSource>
+      <inkml:timestamp xml:id="ts0" timeString="2022-01-24T15:19:48.880"/>
+    </inkml:context>
+    <inkml:brush xml:id="br0">
+      <inkml:brushProperty name="width" value="0.025" units="cm"/>
+      <inkml:brushProperty name="height" value="0.025" units="cm"/>
+    </inkml:brush>
+  </inkml:definitions>
+  <inkml:trace contextRef="#ctx0" brushRef="#br0">1 0 24575</inkml:trace>
+</inkml:ink>
+</file>
+
+<file path=ppt/ink/ink9.xml><?xml version="1.0" encoding="utf-8"?>
+<inkml:ink xmlns:inkml="http://www.w3.org/2003/InkML">
+  <inkml:definitions>
+    <inkml:context xml:id="ctx0">
+      <inkml:inkSource xml:id="inkSrc0">
+        <inkml:traceFormat>
+          <inkml:channel name="X" type="integer" min="-2.14748E9" max="2.14748E9" units="cm"/>
+          <inkml:channel name="Y" type="integer" min="-2.14748E9" max="2.14748E9" units="cm"/>
+          <inkml:channel name="F" type="integer" max="32767" units="dev"/>
+        </inkml:traceFormat>
+        <inkml:channelProperties>
+          <inkml:channelProperty channel="X" name="resolution" value="1000" units="1/cm"/>
+          <inkml:channelProperty channel="Y" name="resolution" value="1000" units="1/cm"/>
+          <inkml:channelProperty channel="F" name="resolution" value="0" units="1/dev"/>
+        </inkml:channelProperties>
+      </inkml:inkSource>
+      <inkml:timestamp xml:id="ts0" timeString="2022-01-24T15:19:50.945"/>
+    </inkml:context>
+    <inkml:brush xml:id="br0">
+      <inkml:brushProperty name="width" value="0.025" units="cm"/>
+      <inkml:brushProperty name="height" value="0.025" units="cm"/>
+    </inkml:brush>
+  </inkml:definitions>
+  <inkml:trace contextRef="#ctx0" brushRef="#br0">1 1 24575,'0'0'-8191</inkml:trace>
+</inkml:ink>
 </file>
 
 <file path=ppt/slideLayouts/slideLayout1.xml><?xml version="1.0" encoding="utf-8"?>
@@ -3396,7 +3673,16 @@
           <a:bodyPr/>
           <a:lstStyle/>
           <a:p>
-            <a:endParaRPr lang="hu-HU"/>
+            <a:r>
+              <a:rPr lang="hu-HU" dirty="0"/>
+              <a:t>Bálint Hantos</a:t>
+            </a:r>
+          </a:p>
+          <a:p>
+            <a:r>
+              <a:rPr lang="hu-HU" dirty="0"/>
+              <a:t>Scientific databases and data modeling</a:t>
+            </a:r>
           </a:p>
         </p:txBody>
       </p:sp>
@@ -3453,7 +3739,7 @@
           <a:p>
             <a:r>
               <a:rPr lang="hu-HU" dirty="0"/>
-              <a:t>GTFS format</a:t>
+              <a:t>Introduction</a:t>
             </a:r>
           </a:p>
         </p:txBody>
@@ -3488,7 +3774,7 @@
         </p:blipFill>
         <p:spPr>
           <a:xfrm>
-            <a:off x="6331352" y="1604757"/>
+            <a:off x="6470131" y="889615"/>
             <a:ext cx="4792741" cy="3648486"/>
           </a:xfrm>
         </p:spPr>
@@ -3589,8 +3875,8 @@
         </p:nvSpPr>
         <p:spPr>
           <a:xfrm>
-            <a:off x="6203950" y="5740400"/>
-            <a:ext cx="1854200" cy="369332"/>
+            <a:off x="4761711" y="5590598"/>
+            <a:ext cx="2067352" cy="369332"/>
           </a:xfrm>
           <a:prstGeom prst="rect">
             <a:avLst/>
@@ -3604,8 +3890,631 @@
           <a:lstStyle/>
           <a:p>
             <a:r>
+              <a:rPr lang="hu-HU" dirty="0">
+                <a:solidFill>
+                  <a:schemeClr val="tx1">
+                    <a:lumMod val="50000"/>
+                    <a:lumOff val="50000"/>
+                  </a:schemeClr>
+                </a:solidFill>
+              </a:rPr>
+              <a:t>Odd timings: 24h+</a:t>
+            </a:r>
+          </a:p>
+        </p:txBody>
+      </p:sp>
+      <mc:AlternateContent xmlns:mc="http://schemas.openxmlformats.org/markup-compatibility/2006">
+        <mc:Choice xmlns:p14="http://schemas.microsoft.com/office/powerpoint/2010/main" Requires="p14">
+          <p:contentPart p14:bwMode="auto" r:id="rId4">
+            <p14:nvContentPartPr>
+              <p14:cNvPr id="12" name="Ink 11">
+                <a:extLst>
+                  <a:ext uri="{FF2B5EF4-FFF2-40B4-BE49-F238E27FC236}">
+                    <a16:creationId xmlns:a16="http://schemas.microsoft.com/office/drawing/2014/main" id="{DA1E6C89-54B6-45C8-AF8A-FA8D54FA6FE9}"/>
+                  </a:ext>
+                </a:extLst>
+              </p14:cNvPr>
+              <p14:cNvContentPartPr/>
+              <p14:nvPr/>
+            </p14:nvContentPartPr>
+            <p14:xfrm>
+              <a:off x="4068091" y="4339258"/>
+              <a:ext cx="746640" cy="1403640"/>
+            </p14:xfrm>
+          </p:contentPart>
+        </mc:Choice>
+        <mc:Fallback>
+          <p:pic>
+            <p:nvPicPr>
+              <p:cNvPr id="12" name="Ink 11">
+                <a:extLst>
+                  <a:ext uri="{FF2B5EF4-FFF2-40B4-BE49-F238E27FC236}">
+                    <a16:creationId xmlns:a16="http://schemas.microsoft.com/office/drawing/2014/main" id="{DA1E6C89-54B6-45C8-AF8A-FA8D54FA6FE9}"/>
+                  </a:ext>
+                </a:extLst>
+              </p:cNvPr>
+              <p:cNvPicPr/>
+              <p:nvPr/>
+            </p:nvPicPr>
+            <p:blipFill>
+              <a:blip r:embed="rId5"/>
+              <a:stretch>
+                <a:fillRect/>
+              </a:stretch>
+            </p:blipFill>
+            <p:spPr>
+              <a:xfrm>
+                <a:off x="4063771" y="4334938"/>
+                <a:ext cx="755280" cy="1412280"/>
+              </a:xfrm>
+              <a:prstGeom prst="rect">
+                <a:avLst/>
+              </a:prstGeom>
+            </p:spPr>
+          </p:pic>
+        </mc:Fallback>
+      </mc:AlternateContent>
+      <p:grpSp>
+        <p:nvGrpSpPr>
+          <p:cNvPr id="15" name="Group 14">
+            <a:extLst>
+              <a:ext uri="{FF2B5EF4-FFF2-40B4-BE49-F238E27FC236}">
+                <a16:creationId xmlns:a16="http://schemas.microsoft.com/office/drawing/2014/main" id="{AE73B23E-0DFB-4875-A6FC-B031327A6C6D}"/>
+              </a:ext>
+            </a:extLst>
+          </p:cNvPr>
+          <p:cNvGrpSpPr/>
+          <p:nvPr/>
+        </p:nvGrpSpPr>
+        <p:grpSpPr>
+          <a:xfrm>
+            <a:off x="4073851" y="4340338"/>
+            <a:ext cx="254880" cy="87120"/>
+            <a:chOff x="4073851" y="4340338"/>
+            <a:chExt cx="254880" cy="87120"/>
+          </a:xfrm>
+        </p:grpSpPr>
+        <mc:AlternateContent xmlns:mc="http://schemas.openxmlformats.org/markup-compatibility/2006">
+          <mc:Choice xmlns:p14="http://schemas.microsoft.com/office/powerpoint/2010/main" Requires="p14">
+            <p:contentPart p14:bwMode="auto" r:id="rId6">
+              <p14:nvContentPartPr>
+                <p14:cNvPr id="8" name="Ink 7">
+                  <a:extLst>
+                    <a:ext uri="{FF2B5EF4-FFF2-40B4-BE49-F238E27FC236}">
+                      <a16:creationId xmlns:a16="http://schemas.microsoft.com/office/drawing/2014/main" id="{2BEC1E8C-C0DB-40D9-83C6-83D21E124B96}"/>
+                    </a:ext>
+                  </a:extLst>
+                </p14:cNvPr>
+                <p14:cNvContentPartPr/>
+                <p14:nvPr/>
+              </p14:nvContentPartPr>
+              <p14:xfrm>
+                <a:off x="4073851" y="4340338"/>
+                <a:ext cx="360" cy="360"/>
+              </p14:xfrm>
+            </p:contentPart>
+          </mc:Choice>
+          <mc:Fallback>
+            <p:pic>
+              <p:nvPicPr>
+                <p:cNvPr id="8" name="Ink 7">
+                  <a:extLst>
+                    <a:ext uri="{FF2B5EF4-FFF2-40B4-BE49-F238E27FC236}">
+                      <a16:creationId xmlns:a16="http://schemas.microsoft.com/office/drawing/2014/main" id="{2BEC1E8C-C0DB-40D9-83C6-83D21E124B96}"/>
+                    </a:ext>
+                  </a:extLst>
+                </p:cNvPr>
+                <p:cNvPicPr/>
+                <p:nvPr/>
+              </p:nvPicPr>
+              <p:blipFill>
+                <a:blip r:embed="rId7"/>
+                <a:stretch>
+                  <a:fillRect/>
+                </a:stretch>
+              </p:blipFill>
+              <p:spPr>
+                <a:xfrm>
+                  <a:off x="4069531" y="4336018"/>
+                  <a:ext cx="9000" cy="9000"/>
+                </a:xfrm>
+                <a:prstGeom prst="rect">
+                  <a:avLst/>
+                </a:prstGeom>
+              </p:spPr>
+            </p:pic>
+          </mc:Fallback>
+        </mc:AlternateContent>
+        <mc:AlternateContent xmlns:mc="http://schemas.openxmlformats.org/markup-compatibility/2006">
+          <mc:Choice xmlns:p14="http://schemas.microsoft.com/office/powerpoint/2010/main" Requires="p14">
+            <p:contentPart p14:bwMode="auto" r:id="rId8">
+              <p14:nvContentPartPr>
+                <p14:cNvPr id="11" name="Ink 10">
+                  <a:extLst>
+                    <a:ext uri="{FF2B5EF4-FFF2-40B4-BE49-F238E27FC236}">
+                      <a16:creationId xmlns:a16="http://schemas.microsoft.com/office/drawing/2014/main" id="{8E0F0790-4A77-42CD-817B-A3430AB37448}"/>
+                    </a:ext>
+                  </a:extLst>
+                </p14:cNvPr>
+                <p14:cNvContentPartPr/>
+                <p14:nvPr/>
+              </p14:nvContentPartPr>
+              <p14:xfrm>
+                <a:off x="4212811" y="4357618"/>
+                <a:ext cx="10800" cy="360"/>
+              </p14:xfrm>
+            </p:contentPart>
+          </mc:Choice>
+          <mc:Fallback>
+            <p:pic>
+              <p:nvPicPr>
+                <p:cNvPr id="11" name="Ink 10">
+                  <a:extLst>
+                    <a:ext uri="{FF2B5EF4-FFF2-40B4-BE49-F238E27FC236}">
+                      <a16:creationId xmlns:a16="http://schemas.microsoft.com/office/drawing/2014/main" id="{8E0F0790-4A77-42CD-817B-A3430AB37448}"/>
+                    </a:ext>
+                  </a:extLst>
+                </p:cNvPr>
+                <p:cNvPicPr/>
+                <p:nvPr/>
+              </p:nvPicPr>
+              <p:blipFill>
+                <a:blip r:embed="rId9"/>
+                <a:stretch>
+                  <a:fillRect/>
+                </a:stretch>
+              </p:blipFill>
+              <p:spPr>
+                <a:xfrm>
+                  <a:off x="4208491" y="4353298"/>
+                  <a:ext cx="19440" cy="9000"/>
+                </a:xfrm>
+                <a:prstGeom prst="rect">
+                  <a:avLst/>
+                </a:prstGeom>
+              </p:spPr>
+            </p:pic>
+          </mc:Fallback>
+        </mc:AlternateContent>
+        <mc:AlternateContent xmlns:mc="http://schemas.openxmlformats.org/markup-compatibility/2006">
+          <mc:Choice xmlns:p14="http://schemas.microsoft.com/office/powerpoint/2010/main" Requires="p14">
+            <p:contentPart p14:bwMode="auto" r:id="rId10">
+              <p14:nvContentPartPr>
+                <p14:cNvPr id="14" name="Ink 13">
+                  <a:extLst>
+                    <a:ext uri="{FF2B5EF4-FFF2-40B4-BE49-F238E27FC236}">
+                      <a16:creationId xmlns:a16="http://schemas.microsoft.com/office/drawing/2014/main" id="{7425895E-0C7A-4310-ABB8-37394CD8EBA1}"/>
+                    </a:ext>
+                  </a:extLst>
+                </p14:cNvPr>
+                <p14:cNvContentPartPr/>
+                <p14:nvPr/>
+              </p14:nvContentPartPr>
+              <p14:xfrm>
+                <a:off x="4097251" y="4421338"/>
+                <a:ext cx="231480" cy="6120"/>
+              </p14:xfrm>
+            </p:contentPart>
+          </mc:Choice>
+          <mc:Fallback>
+            <p:pic>
+              <p:nvPicPr>
+                <p:cNvPr id="14" name="Ink 13">
+                  <a:extLst>
+                    <a:ext uri="{FF2B5EF4-FFF2-40B4-BE49-F238E27FC236}">
+                      <a16:creationId xmlns:a16="http://schemas.microsoft.com/office/drawing/2014/main" id="{7425895E-0C7A-4310-ABB8-37394CD8EBA1}"/>
+                    </a:ext>
+                  </a:extLst>
+                </p:cNvPr>
+                <p:cNvPicPr/>
+                <p:nvPr/>
+              </p:nvPicPr>
+              <p:blipFill>
+                <a:blip r:embed="rId11"/>
+                <a:stretch>
+                  <a:fillRect/>
+                </a:stretch>
+              </p:blipFill>
+              <p:spPr>
+                <a:xfrm>
+                  <a:off x="4092931" y="4417018"/>
+                  <a:ext cx="240120" cy="14760"/>
+                </a:xfrm>
+                <a:prstGeom prst="rect">
+                  <a:avLst/>
+                </a:prstGeom>
+              </p:spPr>
+            </p:pic>
+          </mc:Fallback>
+        </mc:AlternateContent>
+      </p:grpSp>
+      <p:grpSp>
+        <p:nvGrpSpPr>
+          <p:cNvPr id="20" name="Group 19">
+            <a:extLst>
+              <a:ext uri="{FF2B5EF4-FFF2-40B4-BE49-F238E27FC236}">
+                <a16:creationId xmlns:a16="http://schemas.microsoft.com/office/drawing/2014/main" id="{879D5000-B9E8-4514-A30B-D7FDFA560F10}"/>
+              </a:ext>
+            </a:extLst>
+          </p:cNvPr>
+          <p:cNvGrpSpPr/>
+          <p:nvPr/>
+        </p:nvGrpSpPr>
+        <p:grpSpPr>
+          <a:xfrm>
+            <a:off x="5549851" y="5781058"/>
+            <a:ext cx="139320" cy="18000"/>
+            <a:chOff x="5549851" y="5781058"/>
+            <a:chExt cx="139320" cy="18000"/>
+          </a:xfrm>
+        </p:grpSpPr>
+        <mc:AlternateContent xmlns:mc="http://schemas.openxmlformats.org/markup-compatibility/2006">
+          <mc:Choice xmlns:p14="http://schemas.microsoft.com/office/powerpoint/2010/main" Requires="p14">
+            <p:contentPart p14:bwMode="auto" r:id="rId12">
+              <p14:nvContentPartPr>
+                <p14:cNvPr id="16" name="Ink 15">
+                  <a:extLst>
+                    <a:ext uri="{FF2B5EF4-FFF2-40B4-BE49-F238E27FC236}">
+                      <a16:creationId xmlns:a16="http://schemas.microsoft.com/office/drawing/2014/main" id="{89EC4446-FE04-428C-BA92-FD412ED32B37}"/>
+                    </a:ext>
+                  </a:extLst>
+                </p14:cNvPr>
+                <p14:cNvContentPartPr/>
+                <p14:nvPr/>
+              </p14:nvContentPartPr>
+              <p14:xfrm>
+                <a:off x="5688811" y="5781058"/>
+                <a:ext cx="360" cy="360"/>
+              </p14:xfrm>
+            </p:contentPart>
+          </mc:Choice>
+          <mc:Fallback>
+            <p:pic>
+              <p:nvPicPr>
+                <p:cNvPr id="16" name="Ink 15">
+                  <a:extLst>
+                    <a:ext uri="{FF2B5EF4-FFF2-40B4-BE49-F238E27FC236}">
+                      <a16:creationId xmlns:a16="http://schemas.microsoft.com/office/drawing/2014/main" id="{89EC4446-FE04-428C-BA92-FD412ED32B37}"/>
+                    </a:ext>
+                  </a:extLst>
+                </p:cNvPr>
+                <p:cNvPicPr/>
+                <p:nvPr/>
+              </p:nvPicPr>
+              <p:blipFill>
+                <a:blip r:embed="rId7"/>
+                <a:stretch>
+                  <a:fillRect/>
+                </a:stretch>
+              </p:blipFill>
+              <p:spPr>
+                <a:xfrm>
+                  <a:off x="5684491" y="5776738"/>
+                  <a:ext cx="9000" cy="9000"/>
+                </a:xfrm>
+                <a:prstGeom prst="rect">
+                  <a:avLst/>
+                </a:prstGeom>
+              </p:spPr>
+            </p:pic>
+          </mc:Fallback>
+        </mc:AlternateContent>
+        <mc:AlternateContent xmlns:mc="http://schemas.openxmlformats.org/markup-compatibility/2006">
+          <mc:Choice xmlns:p14="http://schemas.microsoft.com/office/powerpoint/2010/main" Requires="p14">
+            <p:contentPart p14:bwMode="auto" r:id="rId13">
+              <p14:nvContentPartPr>
+                <p14:cNvPr id="17" name="Ink 16">
+                  <a:extLst>
+                    <a:ext uri="{FF2B5EF4-FFF2-40B4-BE49-F238E27FC236}">
+                      <a16:creationId xmlns:a16="http://schemas.microsoft.com/office/drawing/2014/main" id="{468E1432-FA8D-466B-BE9A-961E89CA64F5}"/>
+                    </a:ext>
+                  </a:extLst>
+                </p14:cNvPr>
+                <p14:cNvContentPartPr/>
+                <p14:nvPr/>
+              </p14:nvContentPartPr>
+              <p14:xfrm>
+                <a:off x="5549851" y="5798698"/>
+                <a:ext cx="360" cy="360"/>
+              </p14:xfrm>
+            </p:contentPart>
+          </mc:Choice>
+          <mc:Fallback>
+            <p:pic>
+              <p:nvPicPr>
+                <p:cNvPr id="17" name="Ink 16">
+                  <a:extLst>
+                    <a:ext uri="{FF2B5EF4-FFF2-40B4-BE49-F238E27FC236}">
+                      <a16:creationId xmlns:a16="http://schemas.microsoft.com/office/drawing/2014/main" id="{468E1432-FA8D-466B-BE9A-961E89CA64F5}"/>
+                    </a:ext>
+                  </a:extLst>
+                </p:cNvPr>
+                <p:cNvPicPr/>
+                <p:nvPr/>
+              </p:nvPicPr>
+              <p:blipFill>
+                <a:blip r:embed="rId7"/>
+                <a:stretch>
+                  <a:fillRect/>
+                </a:stretch>
+              </p:blipFill>
+              <p:spPr>
+                <a:xfrm>
+                  <a:off x="5545531" y="5794378"/>
+                  <a:ext cx="9000" cy="9000"/>
+                </a:xfrm>
+                <a:prstGeom prst="rect">
+                  <a:avLst/>
+                </a:prstGeom>
+              </p:spPr>
+            </p:pic>
+          </mc:Fallback>
+        </mc:AlternateContent>
+        <mc:AlternateContent xmlns:mc="http://schemas.openxmlformats.org/markup-compatibility/2006">
+          <mc:Choice xmlns:p14="http://schemas.microsoft.com/office/powerpoint/2010/main" Requires="p14">
+            <p:contentPart p14:bwMode="auto" r:id="rId14">
+              <p14:nvContentPartPr>
+                <p14:cNvPr id="18" name="Ink 17">
+                  <a:extLst>
+                    <a:ext uri="{FF2B5EF4-FFF2-40B4-BE49-F238E27FC236}">
+                      <a16:creationId xmlns:a16="http://schemas.microsoft.com/office/drawing/2014/main" id="{90D7E1ED-80ED-4EE2-B785-64A64CAD40A1}"/>
+                    </a:ext>
+                  </a:extLst>
+                </p14:cNvPr>
+                <p14:cNvContentPartPr/>
+                <p14:nvPr/>
+              </p14:nvContentPartPr>
+              <p14:xfrm>
+                <a:off x="5549851" y="5798698"/>
+                <a:ext cx="360" cy="360"/>
+              </p14:xfrm>
+            </p:contentPart>
+          </mc:Choice>
+          <mc:Fallback>
+            <p:pic>
+              <p:nvPicPr>
+                <p:cNvPr id="18" name="Ink 17">
+                  <a:extLst>
+                    <a:ext uri="{FF2B5EF4-FFF2-40B4-BE49-F238E27FC236}">
+                      <a16:creationId xmlns:a16="http://schemas.microsoft.com/office/drawing/2014/main" id="{90D7E1ED-80ED-4EE2-B785-64A64CAD40A1}"/>
+                    </a:ext>
+                  </a:extLst>
+                </p:cNvPr>
+                <p:cNvPicPr/>
+                <p:nvPr/>
+              </p:nvPicPr>
+              <p:blipFill>
+                <a:blip r:embed="rId7"/>
+                <a:stretch>
+                  <a:fillRect/>
+                </a:stretch>
+              </p:blipFill>
+              <p:spPr>
+                <a:xfrm>
+                  <a:off x="5545531" y="5794378"/>
+                  <a:ext cx="9000" cy="9000"/>
+                </a:xfrm>
+                <a:prstGeom prst="rect">
+                  <a:avLst/>
+                </a:prstGeom>
+              </p:spPr>
+            </p:pic>
+          </mc:Fallback>
+        </mc:AlternateContent>
+      </p:grpSp>
+      <mc:AlternateContent xmlns:mc="http://schemas.openxmlformats.org/markup-compatibility/2006">
+        <mc:Choice xmlns:p14="http://schemas.microsoft.com/office/powerpoint/2010/main" Requires="p14">
+          <p:contentPart p14:bwMode="auto" r:id="rId15">
+            <p14:nvContentPartPr>
+              <p14:cNvPr id="19" name="Ink 18">
+                <a:extLst>
+                  <a:ext uri="{FF2B5EF4-FFF2-40B4-BE49-F238E27FC236}">
+                    <a16:creationId xmlns:a16="http://schemas.microsoft.com/office/drawing/2014/main" id="{00F9C97C-99E1-4BB4-AD73-0A39647FBF16}"/>
+                  </a:ext>
+                </a:extLst>
+              </p14:cNvPr>
+              <p14:cNvContentPartPr/>
+              <p14:nvPr/>
+            </p14:nvContentPartPr>
+            <p14:xfrm>
+              <a:off x="5086891" y="5792938"/>
+              <a:ext cx="360" cy="360"/>
+            </p14:xfrm>
+          </p:contentPart>
+        </mc:Choice>
+        <mc:Fallback>
+          <p:pic>
+            <p:nvPicPr>
+              <p:cNvPr id="19" name="Ink 18">
+                <a:extLst>
+                  <a:ext uri="{FF2B5EF4-FFF2-40B4-BE49-F238E27FC236}">
+                    <a16:creationId xmlns:a16="http://schemas.microsoft.com/office/drawing/2014/main" id="{00F9C97C-99E1-4BB4-AD73-0A39647FBF16}"/>
+                  </a:ext>
+                </a:extLst>
+              </p:cNvPr>
+              <p:cNvPicPr/>
+              <p:nvPr/>
+            </p:nvPicPr>
+            <p:blipFill>
+              <a:blip r:embed="rId7"/>
+              <a:stretch>
+                <a:fillRect/>
+              </a:stretch>
+            </p:blipFill>
+            <p:spPr>
+              <a:xfrm>
+                <a:off x="5082571" y="5788618"/>
+                <a:ext cx="9000" cy="9000"/>
+              </a:xfrm>
+              <a:prstGeom prst="rect">
+                <a:avLst/>
+              </a:prstGeom>
+            </p:spPr>
+          </p:pic>
+        </mc:Fallback>
+      </mc:AlternateContent>
+      <mc:AlternateContent xmlns:mc="http://schemas.openxmlformats.org/markup-compatibility/2006">
+        <mc:Choice xmlns:p14="http://schemas.microsoft.com/office/powerpoint/2010/main" Requires="p14">
+          <p:contentPart p14:bwMode="auto" r:id="rId16">
+            <p14:nvContentPartPr>
+              <p14:cNvPr id="21" name="Ink 20">
+                <a:extLst>
+                  <a:ext uri="{FF2B5EF4-FFF2-40B4-BE49-F238E27FC236}">
+                    <a16:creationId xmlns:a16="http://schemas.microsoft.com/office/drawing/2014/main" id="{230F7D6B-D8E7-4DC9-BF4D-43F2F51AA0D0}"/>
+                  </a:ext>
+                </a:extLst>
+              </p14:cNvPr>
+              <p14:cNvContentPartPr/>
+              <p14:nvPr/>
+            </p14:nvContentPartPr>
+            <p14:xfrm>
+              <a:off x="4889971" y="2713858"/>
+              <a:ext cx="360" cy="360"/>
+            </p14:xfrm>
+          </p:contentPart>
+        </mc:Choice>
+        <mc:Fallback>
+          <p:pic>
+            <p:nvPicPr>
+              <p:cNvPr id="21" name="Ink 20">
+                <a:extLst>
+                  <a:ext uri="{FF2B5EF4-FFF2-40B4-BE49-F238E27FC236}">
+                    <a16:creationId xmlns:a16="http://schemas.microsoft.com/office/drawing/2014/main" id="{230F7D6B-D8E7-4DC9-BF4D-43F2F51AA0D0}"/>
+                  </a:ext>
+                </a:extLst>
+              </p:cNvPr>
+              <p:cNvPicPr/>
+              <p:nvPr/>
+            </p:nvPicPr>
+            <p:blipFill>
+              <a:blip r:embed="rId7"/>
+              <a:stretch>
+                <a:fillRect/>
+              </a:stretch>
+            </p:blipFill>
+            <p:spPr>
+              <a:xfrm>
+                <a:off x="4885651" y="2709538"/>
+                <a:ext cx="9000" cy="9000"/>
+              </a:xfrm>
+              <a:prstGeom prst="rect">
+                <a:avLst/>
+              </a:prstGeom>
+            </p:spPr>
+          </p:pic>
+        </mc:Fallback>
+      </mc:AlternateContent>
+      <mc:AlternateContent xmlns:mc="http://schemas.openxmlformats.org/markup-compatibility/2006">
+        <mc:Choice xmlns:p14="http://schemas.microsoft.com/office/powerpoint/2010/main" Requires="p14">
+          <p:contentPart p14:bwMode="auto" r:id="rId17">
+            <p14:nvContentPartPr>
+              <p14:cNvPr id="22" name="Ink 21">
+                <a:extLst>
+                  <a:ext uri="{FF2B5EF4-FFF2-40B4-BE49-F238E27FC236}">
+                    <a16:creationId xmlns:a16="http://schemas.microsoft.com/office/drawing/2014/main" id="{64B1C51C-55BD-4B0B-AD72-CFCAABE37B9A}"/>
+                  </a:ext>
+                </a:extLst>
+              </p14:cNvPr>
+              <p14:cNvContentPartPr/>
+              <p14:nvPr/>
+            </p14:nvContentPartPr>
+            <p14:xfrm>
+              <a:off x="7951771" y="3188698"/>
+              <a:ext cx="360" cy="360"/>
+            </p14:xfrm>
+          </p:contentPart>
+        </mc:Choice>
+        <mc:Fallback>
+          <p:pic>
+            <p:nvPicPr>
+              <p:cNvPr id="22" name="Ink 21">
+                <a:extLst>
+                  <a:ext uri="{FF2B5EF4-FFF2-40B4-BE49-F238E27FC236}">
+                    <a16:creationId xmlns:a16="http://schemas.microsoft.com/office/drawing/2014/main" id="{64B1C51C-55BD-4B0B-AD72-CFCAABE37B9A}"/>
+                  </a:ext>
+                </a:extLst>
+              </p:cNvPr>
+              <p:cNvPicPr/>
+              <p:nvPr/>
+            </p:nvPicPr>
+            <p:blipFill>
+              <a:blip r:embed="rId7"/>
+              <a:stretch>
+                <a:fillRect/>
+              </a:stretch>
+            </p:blipFill>
+            <p:spPr>
+              <a:xfrm>
+                <a:off x="7947451" y="3184378"/>
+                <a:ext cx="9000" cy="9000"/>
+              </a:xfrm>
+              <a:prstGeom prst="rect">
+                <a:avLst/>
+              </a:prstGeom>
+            </p:spPr>
+          </p:pic>
+        </mc:Fallback>
+      </mc:AlternateContent>
+      <p:sp>
+        <p:nvSpPr>
+          <p:cNvPr id="24" name="TextBox 23">
+            <a:extLst>
+              <a:ext uri="{FF2B5EF4-FFF2-40B4-BE49-F238E27FC236}">
+                <a16:creationId xmlns:a16="http://schemas.microsoft.com/office/drawing/2014/main" id="{AC998457-4D40-42F1-B046-5434EF199D58}"/>
+              </a:ext>
+            </a:extLst>
+          </p:cNvPr>
+          <p:cNvSpPr txBox="1"/>
+          <p:nvPr/>
+        </p:nvSpPr>
+        <p:spPr>
+          <a:xfrm>
+            <a:off x="7291663" y="4603873"/>
+            <a:ext cx="3595385" cy="1754326"/>
+          </a:xfrm>
+          <a:prstGeom prst="rect">
+            <a:avLst/>
+          </a:prstGeom>
+          <a:noFill/>
+        </p:spPr>
+        <p:txBody>
+          <a:bodyPr wrap="square">
+            <a:spAutoFit/>
+          </a:bodyPr>
+          <a:lstStyle/>
+          <a:p>
+            <a:r>
+              <a:rPr lang="hu-HU" b="1" u="sng" dirty="0"/>
+              <a:t>TOOLS</a:t>
+            </a:r>
+          </a:p>
+          <a:p>
+            <a:r>
               <a:rPr lang="hu-HU" dirty="0"/>
-              <a:t>Odd timings</a:t>
+              <a:t>Neo4j Desktop – for DBMS</a:t>
+            </a:r>
+          </a:p>
+          <a:p>
+            <a:endParaRPr lang="hu-HU" dirty="0"/>
+          </a:p>
+          <a:p>
+            <a:r>
+              <a:rPr lang="hu-HU" dirty="0"/>
+              <a:t>Cypher</a:t>
+            </a:r>
+          </a:p>
+          <a:p>
+            <a:pPr lvl="1"/>
+            <a:r>
+              <a:rPr lang="hu-HU" dirty="0"/>
+              <a:t>+ APOC</a:t>
+            </a:r>
+          </a:p>
+          <a:p>
+            <a:pPr lvl="1"/>
+            <a:r>
+              <a:rPr lang="hu-HU" dirty="0"/>
+              <a:t>(+ GDS)</a:t>
             </a:r>
           </a:p>
         </p:txBody>
@@ -3932,7 +4841,7 @@
           <p:cNvPr id="2" name="Title 1">
             <a:extLst>
               <a:ext uri="{FF2B5EF4-FFF2-40B4-BE49-F238E27FC236}">
-                <a16:creationId xmlns:a16="http://schemas.microsoft.com/office/drawing/2014/main" id="{B350C058-A69C-4060-AA6C-3734C73D500E}"/>
+                <a16:creationId xmlns:a16="http://schemas.microsoft.com/office/drawing/2014/main" id="{CA40BB1B-6D6E-475B-BE7C-DE821AD3FE3E}"/>
               </a:ext>
             </a:extLst>
           </p:cNvPr>
@@ -3960,7 +4869,7 @@
           <p:cNvPr id="3" name="Content Placeholder 2">
             <a:extLst>
               <a:ext uri="{FF2B5EF4-FFF2-40B4-BE49-F238E27FC236}">
-                <a16:creationId xmlns:a16="http://schemas.microsoft.com/office/drawing/2014/main" id="{258510C3-8563-4F7F-84D6-163E461D185F}"/>
+                <a16:creationId xmlns:a16="http://schemas.microsoft.com/office/drawing/2014/main" id="{9C65BAE3-FC66-4BB4-B386-DAB856017C28}"/>
               </a:ext>
             </a:extLst>
           </p:cNvPr>
@@ -3978,20 +4887,51 @@
           <a:p>
             <a:r>
               <a:rPr lang="hu-HU" dirty="0"/>
-              <a:t>Runs in finite time for 1-2 trips</a:t>
-            </a:r>
-          </a:p>
-          <a:p>
+              <a:t>Minimum sum time: min( st2.arrive_time - st1.depart_time )</a:t>
+            </a:r>
+          </a:p>
+          <a:p>
+            <a:endParaRPr lang="hu-HU" dirty="0"/>
+          </a:p>
+          <a:p>
+            <a:r>
+              <a:rPr lang="hu-HU" dirty="0"/>
+              <a:t>Least amount of </a:t>
+            </a:r>
+            <a:br>
+              <a:rPr lang="hu-HU" dirty="0"/>
+            </a:br>
+            <a:r>
+              <a:rPr lang="hu-HU" dirty="0"/>
+              <a:t>switches – </a:t>
+            </a:r>
+            <a:br>
+              <a:rPr lang="hu-HU" dirty="0"/>
+            </a:br>
+            <a:r>
+              <a:rPr lang="hu-HU" dirty="0"/>
+              <a:t>shortestPath</a:t>
+            </a:r>
+          </a:p>
+          <a:p>
+            <a:endParaRPr lang="hu-HU" dirty="0"/>
+          </a:p>
+          <a:p>
+            <a:pPr lvl="1"/>
+            <a:endParaRPr lang="hu-HU" dirty="0"/>
+          </a:p>
+          <a:p>
+            <a:pPr lvl="1"/>
             <a:endParaRPr lang="hu-HU" dirty="0"/>
           </a:p>
         </p:txBody>
       </p:sp>
       <p:pic>
         <p:nvPicPr>
-          <p:cNvPr id="5" name="Picture 4">
-            <a:extLst>
-              <a:ext uri="{FF2B5EF4-FFF2-40B4-BE49-F238E27FC236}">
-                <a16:creationId xmlns:a16="http://schemas.microsoft.com/office/drawing/2014/main" id="{066BAB83-07E4-4ADB-ABD2-6D5221CC49B2}"/>
+          <p:cNvPr id="4" name="Picture 3">
+            <a:extLst>
+              <a:ext uri="{FF2B5EF4-FFF2-40B4-BE49-F238E27FC236}">
+                <a16:creationId xmlns:a16="http://schemas.microsoft.com/office/drawing/2014/main" id="{1B7BED78-443A-450E-A6A6-C3C8BC9F1C12}"/>
               </a:ext>
             </a:extLst>
           </p:cNvPr>
@@ -4008,7 +4948,394 @@
         </p:blipFill>
         <p:spPr>
           <a:xfrm>
-            <a:off x="4279900" y="2860675"/>
+            <a:off x="3885452" y="2399706"/>
+            <a:ext cx="7518400" cy="3844314"/>
+          </a:xfrm>
+          <a:prstGeom prst="rect">
+            <a:avLst/>
+          </a:prstGeom>
+        </p:spPr>
+      </p:pic>
+    </p:spTree>
+    <p:extLst>
+      <p:ext uri="{BB962C8B-B14F-4D97-AF65-F5344CB8AC3E}">
+        <p14:creationId xmlns:p14="http://schemas.microsoft.com/office/powerpoint/2010/main" val="2419764791"/>
+      </p:ext>
+    </p:extLst>
+  </p:cSld>
+  <p:clrMapOvr>
+    <a:masterClrMapping/>
+  </p:clrMapOvr>
+</p:sld>
+</file>
+
+<file path=ppt/slides/slide6.xml><?xml version="1.0" encoding="utf-8"?>
+<p:sld xmlns:a="http://schemas.openxmlformats.org/drawingml/2006/main" xmlns:r="http://schemas.openxmlformats.org/officeDocument/2006/relationships" xmlns:p="http://schemas.openxmlformats.org/presentationml/2006/main">
+  <p:cSld>
+    <p:spTree>
+      <p:nvGrpSpPr>
+        <p:cNvPr id="1" name=""/>
+        <p:cNvGrpSpPr/>
+        <p:nvPr/>
+      </p:nvGrpSpPr>
+      <p:grpSpPr>
+        <a:xfrm>
+          <a:off x="0" y="0"/>
+          <a:ext cx="0" cy="0"/>
+          <a:chOff x="0" y="0"/>
+          <a:chExt cx="0" cy="0"/>
+        </a:xfrm>
+      </p:grpSpPr>
+      <p:sp>
+        <p:nvSpPr>
+          <p:cNvPr id="2" name="Title 1">
+            <a:extLst>
+              <a:ext uri="{FF2B5EF4-FFF2-40B4-BE49-F238E27FC236}">
+                <a16:creationId xmlns:a16="http://schemas.microsoft.com/office/drawing/2014/main" id="{5E8B9497-8729-4391-938A-51A26A88CE19}"/>
+              </a:ext>
+            </a:extLst>
+          </p:cNvPr>
+          <p:cNvSpPr>
+            <a:spLocks noGrp="1"/>
+          </p:cNvSpPr>
+          <p:nvPr>
+            <p:ph type="title"/>
+          </p:nvPr>
+        </p:nvSpPr>
+        <p:spPr/>
+        <p:txBody>
+          <a:bodyPr/>
+          <a:lstStyle/>
+          <a:p>
+            <a:r>
+              <a:rPr lang="hu-HU" dirty="0"/>
+              <a:t>3: Path finding</a:t>
+            </a:r>
+          </a:p>
+        </p:txBody>
+      </p:sp>
+      <p:sp>
+        <p:nvSpPr>
+          <p:cNvPr id="3" name="Content Placeholder 2">
+            <a:extLst>
+              <a:ext uri="{FF2B5EF4-FFF2-40B4-BE49-F238E27FC236}">
+                <a16:creationId xmlns:a16="http://schemas.microsoft.com/office/drawing/2014/main" id="{F506A916-293B-46F2-A3FD-06899AFDD3AB}"/>
+              </a:ext>
+            </a:extLst>
+          </p:cNvPr>
+          <p:cNvSpPr>
+            <a:spLocks noGrp="1"/>
+          </p:cNvSpPr>
+          <p:nvPr>
+            <p:ph idx="1"/>
+          </p:nvPr>
+        </p:nvSpPr>
+        <p:spPr/>
+        <p:txBody>
+          <a:bodyPr/>
+          <a:lstStyle/>
+          <a:p>
+            <a:r>
+              <a:rPr lang="hu-HU" dirty="0"/>
+              <a:t>Minimal waiting time:</a:t>
+            </a:r>
+          </a:p>
+          <a:p>
+            <a:pPr lvl="1"/>
+            <a:r>
+              <a:rPr lang="hu-HU" dirty="0"/>
+              <a:t>Travel time</a:t>
+            </a:r>
+          </a:p>
+          <a:p>
+            <a:pPr lvl="1"/>
+            <a:r>
+              <a:rPr lang="hu-HU" dirty="0"/>
+              <a:t>Walking time</a:t>
+            </a:r>
+          </a:p>
+          <a:p>
+            <a:pPr lvl="1"/>
+            <a:r>
+              <a:rPr lang="hu-HU" dirty="0"/>
+              <a:t>Waiting time</a:t>
+            </a:r>
+          </a:p>
+          <a:p>
+            <a:endParaRPr lang="hu-HU" dirty="0"/>
+          </a:p>
+        </p:txBody>
+      </p:sp>
+      <p:sp>
+        <p:nvSpPr>
+          <p:cNvPr id="4" name="Left Brace 3">
+            <a:extLst>
+              <a:ext uri="{FF2B5EF4-FFF2-40B4-BE49-F238E27FC236}">
+                <a16:creationId xmlns:a16="http://schemas.microsoft.com/office/drawing/2014/main" id="{6FD0FF39-8826-467A-905D-82B2706AD4AC}"/>
+              </a:ext>
+            </a:extLst>
+          </p:cNvPr>
+          <p:cNvSpPr/>
+          <p:nvPr/>
+        </p:nvSpPr>
+        <p:spPr>
+          <a:xfrm rot="10800000">
+            <a:off x="3842796" y="2318657"/>
+            <a:ext cx="171388" cy="1110343"/>
+          </a:xfrm>
+          <a:prstGeom prst="leftBrace">
+            <a:avLst/>
+          </a:prstGeom>
+          <a:solidFill>
+            <a:schemeClr val="bg1"/>
+          </a:solidFill>
+          <a:ln w="12700">
+            <a:solidFill>
+              <a:schemeClr val="tx1"/>
+            </a:solidFill>
+          </a:ln>
+        </p:spPr>
+        <p:style>
+          <a:lnRef idx="1">
+            <a:schemeClr val="accent1"/>
+          </a:lnRef>
+          <a:fillRef idx="0">
+            <a:schemeClr val="accent1"/>
+          </a:fillRef>
+          <a:effectRef idx="0">
+            <a:schemeClr val="accent1"/>
+          </a:effectRef>
+          <a:fontRef idx="minor">
+            <a:schemeClr val="tx1"/>
+          </a:fontRef>
+        </p:style>
+        <p:txBody>
+          <a:bodyPr rtlCol="0" anchor="ctr"/>
+          <a:lstStyle/>
+          <a:p>
+            <a:pPr algn="ctr"/>
+            <a:endParaRPr lang="hu-HU"/>
+          </a:p>
+        </p:txBody>
+      </p:sp>
+      <p:sp>
+        <p:nvSpPr>
+          <p:cNvPr id="5" name="TextBox 4">
+            <a:extLst>
+              <a:ext uri="{FF2B5EF4-FFF2-40B4-BE49-F238E27FC236}">
+                <a16:creationId xmlns:a16="http://schemas.microsoft.com/office/drawing/2014/main" id="{389ACDA1-1C68-4524-8040-978E24BFF004}"/>
+              </a:ext>
+            </a:extLst>
+          </p:cNvPr>
+          <p:cNvSpPr txBox="1"/>
+          <p:nvPr/>
+        </p:nvSpPr>
+        <p:spPr>
+          <a:xfrm>
+            <a:off x="4129930" y="2550663"/>
+            <a:ext cx="1047510" cy="646331"/>
+          </a:xfrm>
+          <a:prstGeom prst="rect">
+            <a:avLst/>
+          </a:prstGeom>
+          <a:noFill/>
+        </p:spPr>
+        <p:txBody>
+          <a:bodyPr wrap="square" rtlCol="0">
+            <a:spAutoFit/>
+          </a:bodyPr>
+          <a:lstStyle/>
+          <a:p>
+            <a:r>
+              <a:rPr lang="hu-HU" dirty="0"/>
+              <a:t>Sum of time</a:t>
+            </a:r>
+          </a:p>
+        </p:txBody>
+      </p:sp>
+    </p:spTree>
+    <p:extLst>
+      <p:ext uri="{BB962C8B-B14F-4D97-AF65-F5344CB8AC3E}">
+        <p14:creationId xmlns:p14="http://schemas.microsoft.com/office/powerpoint/2010/main" val="119485401"/>
+      </p:ext>
+    </p:extLst>
+  </p:cSld>
+  <p:clrMapOvr>
+    <a:masterClrMapping/>
+  </p:clrMapOvr>
+</p:sld>
+</file>
+
+<file path=ppt/slides/slide7.xml><?xml version="1.0" encoding="utf-8"?>
+<p:sld xmlns:a="http://schemas.openxmlformats.org/drawingml/2006/main" xmlns:r="http://schemas.openxmlformats.org/officeDocument/2006/relationships" xmlns:p="http://schemas.openxmlformats.org/presentationml/2006/main">
+  <p:cSld>
+    <p:spTree>
+      <p:nvGrpSpPr>
+        <p:cNvPr id="1" name=""/>
+        <p:cNvGrpSpPr/>
+        <p:nvPr/>
+      </p:nvGrpSpPr>
+      <p:grpSpPr>
+        <a:xfrm>
+          <a:off x="0" y="0"/>
+          <a:ext cx="0" cy="0"/>
+          <a:chOff x="0" y="0"/>
+          <a:chExt cx="0" cy="0"/>
+        </a:xfrm>
+      </p:grpSpPr>
+      <p:sp>
+        <p:nvSpPr>
+          <p:cNvPr id="2" name="Title 1">
+            <a:extLst>
+              <a:ext uri="{FF2B5EF4-FFF2-40B4-BE49-F238E27FC236}">
+                <a16:creationId xmlns:a16="http://schemas.microsoft.com/office/drawing/2014/main" id="{B350C058-A69C-4060-AA6C-3734C73D500E}"/>
+              </a:ext>
+            </a:extLst>
+          </p:cNvPr>
+          <p:cNvSpPr>
+            <a:spLocks noGrp="1"/>
+          </p:cNvSpPr>
+          <p:nvPr>
+            <p:ph type="title"/>
+          </p:nvPr>
+        </p:nvSpPr>
+        <p:spPr/>
+        <p:txBody>
+          <a:bodyPr/>
+          <a:lstStyle/>
+          <a:p>
+            <a:r>
+              <a:rPr lang="hu-HU" dirty="0"/>
+              <a:t>3: Path finding</a:t>
+            </a:r>
+          </a:p>
+        </p:txBody>
+      </p:sp>
+      <p:sp>
+        <p:nvSpPr>
+          <p:cNvPr id="3" name="Content Placeholder 2">
+            <a:extLst>
+              <a:ext uri="{FF2B5EF4-FFF2-40B4-BE49-F238E27FC236}">
+                <a16:creationId xmlns:a16="http://schemas.microsoft.com/office/drawing/2014/main" id="{258510C3-8563-4F7F-84D6-163E461D185F}"/>
+              </a:ext>
+            </a:extLst>
+          </p:cNvPr>
+          <p:cNvSpPr>
+            <a:spLocks noGrp="1"/>
+          </p:cNvSpPr>
+          <p:nvPr>
+            <p:ph idx="1"/>
+          </p:nvPr>
+        </p:nvSpPr>
+        <p:spPr/>
+        <p:txBody>
+          <a:bodyPr>
+            <a:normAutofit lnSpcReduction="10000"/>
+          </a:bodyPr>
+          <a:lstStyle/>
+          <a:p>
+            <a:r>
+              <a:rPr lang="hu-HU" dirty="0"/>
+              <a:t>Runs in finite time for 1-2 trip changes</a:t>
+            </a:r>
+          </a:p>
+          <a:p>
+            <a:endParaRPr lang="hu-HU" dirty="0"/>
+          </a:p>
+          <a:p>
+            <a:r>
+              <a:rPr lang="hu-HU" dirty="0"/>
+              <a:t>Challenges:</a:t>
+            </a:r>
+          </a:p>
+          <a:p>
+            <a:pPr marL="457200" lvl="1" indent="0">
+              <a:buNone/>
+            </a:pPr>
+            <a:r>
+              <a:rPr lang="hu-HU" dirty="0"/>
+              <a:t>Long runtimes</a:t>
+            </a:r>
+            <a:br>
+              <a:rPr lang="hu-HU" dirty="0"/>
+            </a:br>
+            <a:br>
+              <a:rPr lang="hu-HU" dirty="0"/>
+            </a:br>
+            <a:r>
+              <a:rPr lang="hu-HU" dirty="0"/>
+              <a:t>No results for &gt;2 trips </a:t>
+            </a:r>
+          </a:p>
+          <a:p>
+            <a:pPr marL="457200" lvl="1" indent="0">
+              <a:buNone/>
+            </a:pPr>
+            <a:br>
+              <a:rPr lang="hu-HU" dirty="0"/>
+            </a:br>
+            <a:r>
+              <a:rPr lang="hu-HU" dirty="0"/>
+              <a:t>Quasi pythonic </a:t>
+            </a:r>
+            <a:br>
+              <a:rPr lang="hu-HU" dirty="0"/>
+            </a:br>
+            <a:r>
+              <a:rPr lang="hu-HU" dirty="0"/>
+              <a:t>	syntax</a:t>
+            </a:r>
+          </a:p>
+          <a:p>
+            <a:pPr marL="457200" lvl="1" indent="0">
+              <a:buNone/>
+            </a:pPr>
+            <a:endParaRPr lang="hu-HU" dirty="0"/>
+          </a:p>
+          <a:p>
+            <a:pPr marL="457200" lvl="1" indent="0">
+              <a:buNone/>
+            </a:pPr>
+            <a:r>
+              <a:rPr lang="hu-HU" dirty="0"/>
+              <a:t>Error messages refer to </a:t>
+            </a:r>
+            <a:br>
+              <a:rPr lang="hu-HU" dirty="0"/>
+            </a:br>
+            <a:r>
+              <a:rPr lang="hu-HU" dirty="0"/>
+              <a:t>	Java code</a:t>
+            </a:r>
+          </a:p>
+          <a:p>
+            <a:endParaRPr lang="hu-HU" dirty="0"/>
+          </a:p>
+        </p:txBody>
+      </p:sp>
+      <p:pic>
+        <p:nvPicPr>
+          <p:cNvPr id="5" name="Picture 4">
+            <a:extLst>
+              <a:ext uri="{FF2B5EF4-FFF2-40B4-BE49-F238E27FC236}">
+                <a16:creationId xmlns:a16="http://schemas.microsoft.com/office/drawing/2014/main" id="{066BAB83-07E4-4ADB-ABD2-6D5221CC49B2}"/>
+              </a:ext>
+            </a:extLst>
+          </p:cNvPr>
+          <p:cNvPicPr>
+            <a:picLocks noChangeAspect="1"/>
+          </p:cNvPicPr>
+          <p:nvPr/>
+        </p:nvPicPr>
+        <p:blipFill>
+          <a:blip r:embed="rId2"/>
+          <a:stretch>
+            <a:fillRect/>
+          </a:stretch>
+        </p:blipFill>
+        <p:spPr>
+          <a:xfrm>
+            <a:off x="4488244" y="2648561"/>
             <a:ext cx="7518400" cy="3844314"/>
           </a:xfrm>
           <a:prstGeom prst="rect">
@@ -4029,7 +5356,7 @@
 </p:sld>
 </file>
 
-<file path=ppt/slides/slide6.xml><?xml version="1.0" encoding="utf-8"?>
+<file path=ppt/slides/slide8.xml><?xml version="1.0" encoding="utf-8"?>
 <p:sld xmlns:a="http://schemas.openxmlformats.org/drawingml/2006/main" xmlns:r="http://schemas.openxmlformats.org/officeDocument/2006/relationships" xmlns:p="http://schemas.openxmlformats.org/presentationml/2006/main">
   <p:cSld>
     <p:spTree>
